--- a/06_Paper/ER-ED/ERED_Stage2/figures/Design_ER-ED.pptx
+++ b/06_Paper/ER-ED/ERED_Stage2/figures/Design_ER-ED.pptx
@@ -304,7 +304,7 @@
           <a:p>
             <a:fld id="{B402BDB7-B15E-449C-BC07-89445F124ABC}" type="datetimeFigureOut">
               <a:rPr lang="en-GB" smtClean="0"/>
-              <a:t>30/05/2022</a:t>
+              <a:t>12/10/2022</a:t>
             </a:fld>
             <a:endParaRPr lang="en-GB"/>
           </a:p>
@@ -474,7 +474,7 @@
           <a:p>
             <a:fld id="{B402BDB7-B15E-449C-BC07-89445F124ABC}" type="datetimeFigureOut">
               <a:rPr lang="en-GB" smtClean="0"/>
-              <a:t>30/05/2022</a:t>
+              <a:t>12/10/2022</a:t>
             </a:fld>
             <a:endParaRPr lang="en-GB"/>
           </a:p>
@@ -654,7 +654,7 @@
           <a:p>
             <a:fld id="{B402BDB7-B15E-449C-BC07-89445F124ABC}" type="datetimeFigureOut">
               <a:rPr lang="en-GB" smtClean="0"/>
-              <a:t>30/05/2022</a:t>
+              <a:t>12/10/2022</a:t>
             </a:fld>
             <a:endParaRPr lang="en-GB"/>
           </a:p>
@@ -824,7 +824,7 @@
           <a:p>
             <a:fld id="{B402BDB7-B15E-449C-BC07-89445F124ABC}" type="datetimeFigureOut">
               <a:rPr lang="en-GB" smtClean="0"/>
-              <a:t>30/05/2022</a:t>
+              <a:t>12/10/2022</a:t>
             </a:fld>
             <a:endParaRPr lang="en-GB"/>
           </a:p>
@@ -1070,7 +1070,7 @@
           <a:p>
             <a:fld id="{B402BDB7-B15E-449C-BC07-89445F124ABC}" type="datetimeFigureOut">
               <a:rPr lang="en-GB" smtClean="0"/>
-              <a:t>30/05/2022</a:t>
+              <a:t>12/10/2022</a:t>
             </a:fld>
             <a:endParaRPr lang="en-GB"/>
           </a:p>
@@ -1358,7 +1358,7 @@
           <a:p>
             <a:fld id="{B402BDB7-B15E-449C-BC07-89445F124ABC}" type="datetimeFigureOut">
               <a:rPr lang="en-GB" smtClean="0"/>
-              <a:t>30/05/2022</a:t>
+              <a:t>12/10/2022</a:t>
             </a:fld>
             <a:endParaRPr lang="en-GB"/>
           </a:p>
@@ -1780,7 +1780,7 @@
           <a:p>
             <a:fld id="{B402BDB7-B15E-449C-BC07-89445F124ABC}" type="datetimeFigureOut">
               <a:rPr lang="en-GB" smtClean="0"/>
-              <a:t>30/05/2022</a:t>
+              <a:t>12/10/2022</a:t>
             </a:fld>
             <a:endParaRPr lang="en-GB"/>
           </a:p>
@@ -1898,7 +1898,7 @@
           <a:p>
             <a:fld id="{B402BDB7-B15E-449C-BC07-89445F124ABC}" type="datetimeFigureOut">
               <a:rPr lang="en-GB" smtClean="0"/>
-              <a:t>30/05/2022</a:t>
+              <a:t>12/10/2022</a:t>
             </a:fld>
             <a:endParaRPr lang="en-GB"/>
           </a:p>
@@ -1993,7 +1993,7 @@
           <a:p>
             <a:fld id="{B402BDB7-B15E-449C-BC07-89445F124ABC}" type="datetimeFigureOut">
               <a:rPr lang="en-GB" smtClean="0"/>
-              <a:t>30/05/2022</a:t>
+              <a:t>12/10/2022</a:t>
             </a:fld>
             <a:endParaRPr lang="en-GB"/>
           </a:p>
@@ -2270,7 +2270,7 @@
           <a:p>
             <a:fld id="{B402BDB7-B15E-449C-BC07-89445F124ABC}" type="datetimeFigureOut">
               <a:rPr lang="en-GB" smtClean="0"/>
-              <a:t>30/05/2022</a:t>
+              <a:t>12/10/2022</a:t>
             </a:fld>
             <a:endParaRPr lang="en-GB"/>
           </a:p>
@@ -2523,7 +2523,7 @@
           <a:p>
             <a:fld id="{B402BDB7-B15E-449C-BC07-89445F124ABC}" type="datetimeFigureOut">
               <a:rPr lang="en-GB" smtClean="0"/>
-              <a:t>30/05/2022</a:t>
+              <a:t>12/10/2022</a:t>
             </a:fld>
             <a:endParaRPr lang="en-GB"/>
           </a:p>
@@ -2736,7 +2736,7 @@
           <a:p>
             <a:fld id="{B402BDB7-B15E-449C-BC07-89445F124ABC}" type="datetimeFigureOut">
               <a:rPr lang="en-GB" smtClean="0"/>
-              <a:t>30/05/2022</a:t>
+              <a:t>12/10/2022</a:t>
             </a:fld>
             <a:endParaRPr lang="en-GB"/>
           </a:p>
@@ -4017,7 +4017,27 @@
                   <a:t> </a:t>
                 </a:r>
                 <a:r>
-                  <a:rPr lang="de-DE" sz="1200" dirty="0" err="1">
+                  <a:rPr lang="de-DE" sz="1200" dirty="0" err="1" smtClean="0">
+                    <a:solidFill>
+                      <a:schemeClr val="tx1"/>
+                    </a:solidFill>
+                    <a:latin typeface="Arial" panose="020B0604020202020204" pitchFamily="34" charset="0"/>
+                    <a:cs typeface="Arial" panose="020B0604020202020204" pitchFamily="34" charset="0"/>
+                  </a:rPr>
+                  <a:t>effort</a:t>
+                </a:r>
+                <a:r>
+                  <a:rPr lang="de-DE" sz="1200" dirty="0" smtClean="0">
+                    <a:solidFill>
+                      <a:schemeClr val="tx1"/>
+                    </a:solidFill>
+                    <a:latin typeface="Arial" panose="020B0604020202020204" pitchFamily="34" charset="0"/>
+                    <a:cs typeface="Arial" panose="020B0604020202020204" pitchFamily="34" charset="0"/>
+                  </a:rPr>
+                  <a:t> </a:t>
+                </a:r>
+                <a:r>
+                  <a:rPr lang="de-DE" sz="1200" dirty="0" err="1" smtClean="0">
                     <a:solidFill>
                       <a:schemeClr val="tx1"/>
                     </a:solidFill>
@@ -4915,6 +4935,26 @@
                   <a:cs typeface="Arial" panose="020B0604020202020204" pitchFamily="34" charset="0"/>
                 </a:rPr>
                 <a:t>and</a:t>
+              </a:r>
+              <a:r>
+                <a:rPr lang="de-DE" sz="1200" dirty="0" smtClean="0">
+                  <a:solidFill>
+                    <a:schemeClr val="tx1"/>
+                  </a:solidFill>
+                  <a:latin typeface="Arial" panose="020B0604020202020204" pitchFamily="34" charset="0"/>
+                  <a:cs typeface="Arial" panose="020B0604020202020204" pitchFamily="34" charset="0"/>
+                </a:rPr>
+                <a:t> </a:t>
+              </a:r>
+              <a:r>
+                <a:rPr lang="de-DE" sz="1200" dirty="0" err="1" smtClean="0">
+                  <a:solidFill>
+                    <a:schemeClr val="tx1"/>
+                  </a:solidFill>
+                  <a:latin typeface="Arial" panose="020B0604020202020204" pitchFamily="34" charset="0"/>
+                  <a:cs typeface="Arial" panose="020B0604020202020204" pitchFamily="34" charset="0"/>
+                </a:rPr>
+                <a:t>effort</a:t>
               </a:r>
               <a:r>
                 <a:rPr lang="de-DE" sz="1200" dirty="0" smtClean="0">
